--- a/Air Quality.pptx
+++ b/Air Quality.pptx
@@ -117,6 +117,11 @@
       </a:defRPr>
     </a:lvl9pPr>
   </p:defaultTextStyle>
+  <p:extLst>
+    <p:ext uri="{EFAFB233-063F-42B5-8137-9DF3F51BA10A}">
+      <p15:sldGuideLst xmlns:p15="http://schemas.microsoft.com/office/powerpoint/2012/main"/>
+    </p:ext>
+  </p:extLst>
 </p:presentation>
 </file>
 
@@ -4409,9 +4414,6 @@
                     <p:cTn id="3" fill="hold">
                       <p:stCondLst>
                         <p:cond delay="indefinite"/>
-                        <p:cond evt="onBegin" delay="0">
-                          <p:tn val="2"/>
-                        </p:cond>
                       </p:stCondLst>
                       <p:childTnLst>
                         <p:par>
@@ -4421,7 +4423,7 @@
                             </p:stCondLst>
                             <p:childTnLst>
                               <p:par>
-                                <p:cTn id="5" presetID="1" presetClass="entr" presetSubtype="0" fill="hold" grpId="0" nodeType="withEffect">
+                                <p:cTn id="5" presetID="2" presetClass="entr" presetSubtype="4" fill="hold" grpId="0" nodeType="clickEffect">
                                   <p:stCondLst>
                                     <p:cond delay="0"/>
                                   </p:stCondLst>
@@ -4434,7 +4436,11 @@
                                           </p:stCondLst>
                                         </p:cTn>
                                         <p:tgtEl>
-                                          <p:spTgt spid="7"/>
+                                          <p:spTgt spid="7">
+                                            <p:txEl>
+                                              <p:pRg st="0" end="0"/>
+                                            </p:txEl>
+                                          </p:spTgt>
                                         </p:tgtEl>
                                         <p:attrNameLst>
                                           <p:attrName>style.visibility</p:attrName>
@@ -4444,6 +4450,575 @@
                                         <p:strVal val="visible"/>
                                       </p:to>
                                     </p:set>
+                                    <p:anim calcmode="lin" valueType="num">
+                                      <p:cBhvr additive="base">
+                                        <p:cTn id="7" dur="500" fill="hold"/>
+                                        <p:tgtEl>
+                                          <p:spTgt spid="7">
+                                            <p:txEl>
+                                              <p:pRg st="0" end="0"/>
+                                            </p:txEl>
+                                          </p:spTgt>
+                                        </p:tgtEl>
+                                        <p:attrNameLst>
+                                          <p:attrName>ppt_x</p:attrName>
+                                        </p:attrNameLst>
+                                      </p:cBhvr>
+                                      <p:tavLst>
+                                        <p:tav tm="0">
+                                          <p:val>
+                                            <p:strVal val="#ppt_x"/>
+                                          </p:val>
+                                        </p:tav>
+                                        <p:tav tm="100000">
+                                          <p:val>
+                                            <p:strVal val="#ppt_x"/>
+                                          </p:val>
+                                        </p:tav>
+                                      </p:tavLst>
+                                    </p:anim>
+                                    <p:anim calcmode="lin" valueType="num">
+                                      <p:cBhvr additive="base">
+                                        <p:cTn id="8" dur="500" fill="hold"/>
+                                        <p:tgtEl>
+                                          <p:spTgt spid="7">
+                                            <p:txEl>
+                                              <p:pRg st="0" end="0"/>
+                                            </p:txEl>
+                                          </p:spTgt>
+                                        </p:tgtEl>
+                                        <p:attrNameLst>
+                                          <p:attrName>ppt_y</p:attrName>
+                                        </p:attrNameLst>
+                                      </p:cBhvr>
+                                      <p:tavLst>
+                                        <p:tav tm="0">
+                                          <p:val>
+                                            <p:strVal val="1+#ppt_h/2"/>
+                                          </p:val>
+                                        </p:tav>
+                                        <p:tav tm="100000">
+                                          <p:val>
+                                            <p:strVal val="#ppt_y"/>
+                                          </p:val>
+                                        </p:tav>
+                                      </p:tavLst>
+                                    </p:anim>
+                                  </p:childTnLst>
+                                </p:cTn>
+                              </p:par>
+                            </p:childTnLst>
+                          </p:cTn>
+                        </p:par>
+                      </p:childTnLst>
+                    </p:cTn>
+                  </p:par>
+                  <p:par>
+                    <p:cTn id="9" fill="hold">
+                      <p:stCondLst>
+                        <p:cond delay="indefinite"/>
+                      </p:stCondLst>
+                      <p:childTnLst>
+                        <p:par>
+                          <p:cTn id="10" fill="hold">
+                            <p:stCondLst>
+                              <p:cond delay="0"/>
+                            </p:stCondLst>
+                            <p:childTnLst>
+                              <p:par>
+                                <p:cTn id="11" presetID="2" presetClass="entr" presetSubtype="4" fill="hold" grpId="0" nodeType="clickEffect">
+                                  <p:stCondLst>
+                                    <p:cond delay="0"/>
+                                  </p:stCondLst>
+                                  <p:childTnLst>
+                                    <p:set>
+                                      <p:cBhvr>
+                                        <p:cTn id="12" dur="1" fill="hold">
+                                          <p:stCondLst>
+                                            <p:cond delay="0"/>
+                                          </p:stCondLst>
+                                        </p:cTn>
+                                        <p:tgtEl>
+                                          <p:spTgt spid="7">
+                                            <p:txEl>
+                                              <p:pRg st="1" end="1"/>
+                                            </p:txEl>
+                                          </p:spTgt>
+                                        </p:tgtEl>
+                                        <p:attrNameLst>
+                                          <p:attrName>style.visibility</p:attrName>
+                                        </p:attrNameLst>
+                                      </p:cBhvr>
+                                      <p:to>
+                                        <p:strVal val="visible"/>
+                                      </p:to>
+                                    </p:set>
+                                    <p:anim calcmode="lin" valueType="num">
+                                      <p:cBhvr additive="base">
+                                        <p:cTn id="13" dur="500" fill="hold"/>
+                                        <p:tgtEl>
+                                          <p:spTgt spid="7">
+                                            <p:txEl>
+                                              <p:pRg st="1" end="1"/>
+                                            </p:txEl>
+                                          </p:spTgt>
+                                        </p:tgtEl>
+                                        <p:attrNameLst>
+                                          <p:attrName>ppt_x</p:attrName>
+                                        </p:attrNameLst>
+                                      </p:cBhvr>
+                                      <p:tavLst>
+                                        <p:tav tm="0">
+                                          <p:val>
+                                            <p:strVal val="#ppt_x"/>
+                                          </p:val>
+                                        </p:tav>
+                                        <p:tav tm="100000">
+                                          <p:val>
+                                            <p:strVal val="#ppt_x"/>
+                                          </p:val>
+                                        </p:tav>
+                                      </p:tavLst>
+                                    </p:anim>
+                                    <p:anim calcmode="lin" valueType="num">
+                                      <p:cBhvr additive="base">
+                                        <p:cTn id="14" dur="500" fill="hold"/>
+                                        <p:tgtEl>
+                                          <p:spTgt spid="7">
+                                            <p:txEl>
+                                              <p:pRg st="1" end="1"/>
+                                            </p:txEl>
+                                          </p:spTgt>
+                                        </p:tgtEl>
+                                        <p:attrNameLst>
+                                          <p:attrName>ppt_y</p:attrName>
+                                        </p:attrNameLst>
+                                      </p:cBhvr>
+                                      <p:tavLst>
+                                        <p:tav tm="0">
+                                          <p:val>
+                                            <p:strVal val="1+#ppt_h/2"/>
+                                          </p:val>
+                                        </p:tav>
+                                        <p:tav tm="100000">
+                                          <p:val>
+                                            <p:strVal val="#ppt_y"/>
+                                          </p:val>
+                                        </p:tav>
+                                      </p:tavLst>
+                                    </p:anim>
+                                  </p:childTnLst>
+                                </p:cTn>
+                              </p:par>
+                            </p:childTnLst>
+                          </p:cTn>
+                        </p:par>
+                      </p:childTnLst>
+                    </p:cTn>
+                  </p:par>
+                  <p:par>
+                    <p:cTn id="15" fill="hold">
+                      <p:stCondLst>
+                        <p:cond delay="indefinite"/>
+                      </p:stCondLst>
+                      <p:childTnLst>
+                        <p:par>
+                          <p:cTn id="16" fill="hold">
+                            <p:stCondLst>
+                              <p:cond delay="0"/>
+                            </p:stCondLst>
+                            <p:childTnLst>
+                              <p:par>
+                                <p:cTn id="17" presetID="2" presetClass="entr" presetSubtype="4" fill="hold" grpId="0" nodeType="clickEffect">
+                                  <p:stCondLst>
+                                    <p:cond delay="0"/>
+                                  </p:stCondLst>
+                                  <p:childTnLst>
+                                    <p:set>
+                                      <p:cBhvr>
+                                        <p:cTn id="18" dur="1" fill="hold">
+                                          <p:stCondLst>
+                                            <p:cond delay="0"/>
+                                          </p:stCondLst>
+                                        </p:cTn>
+                                        <p:tgtEl>
+                                          <p:spTgt spid="7">
+                                            <p:txEl>
+                                              <p:pRg st="2" end="2"/>
+                                            </p:txEl>
+                                          </p:spTgt>
+                                        </p:tgtEl>
+                                        <p:attrNameLst>
+                                          <p:attrName>style.visibility</p:attrName>
+                                        </p:attrNameLst>
+                                      </p:cBhvr>
+                                      <p:to>
+                                        <p:strVal val="visible"/>
+                                      </p:to>
+                                    </p:set>
+                                    <p:anim calcmode="lin" valueType="num">
+                                      <p:cBhvr additive="base">
+                                        <p:cTn id="19" dur="500" fill="hold"/>
+                                        <p:tgtEl>
+                                          <p:spTgt spid="7">
+                                            <p:txEl>
+                                              <p:pRg st="2" end="2"/>
+                                            </p:txEl>
+                                          </p:spTgt>
+                                        </p:tgtEl>
+                                        <p:attrNameLst>
+                                          <p:attrName>ppt_x</p:attrName>
+                                        </p:attrNameLst>
+                                      </p:cBhvr>
+                                      <p:tavLst>
+                                        <p:tav tm="0">
+                                          <p:val>
+                                            <p:strVal val="#ppt_x"/>
+                                          </p:val>
+                                        </p:tav>
+                                        <p:tav tm="100000">
+                                          <p:val>
+                                            <p:strVal val="#ppt_x"/>
+                                          </p:val>
+                                        </p:tav>
+                                      </p:tavLst>
+                                    </p:anim>
+                                    <p:anim calcmode="lin" valueType="num">
+                                      <p:cBhvr additive="base">
+                                        <p:cTn id="20" dur="500" fill="hold"/>
+                                        <p:tgtEl>
+                                          <p:spTgt spid="7">
+                                            <p:txEl>
+                                              <p:pRg st="2" end="2"/>
+                                            </p:txEl>
+                                          </p:spTgt>
+                                        </p:tgtEl>
+                                        <p:attrNameLst>
+                                          <p:attrName>ppt_y</p:attrName>
+                                        </p:attrNameLst>
+                                      </p:cBhvr>
+                                      <p:tavLst>
+                                        <p:tav tm="0">
+                                          <p:val>
+                                            <p:strVal val="1+#ppt_h/2"/>
+                                          </p:val>
+                                        </p:tav>
+                                        <p:tav tm="100000">
+                                          <p:val>
+                                            <p:strVal val="#ppt_y"/>
+                                          </p:val>
+                                        </p:tav>
+                                      </p:tavLst>
+                                    </p:anim>
+                                  </p:childTnLst>
+                                </p:cTn>
+                              </p:par>
+                            </p:childTnLst>
+                          </p:cTn>
+                        </p:par>
+                      </p:childTnLst>
+                    </p:cTn>
+                  </p:par>
+                  <p:par>
+                    <p:cTn id="21" fill="hold">
+                      <p:stCondLst>
+                        <p:cond delay="indefinite"/>
+                      </p:stCondLst>
+                      <p:childTnLst>
+                        <p:par>
+                          <p:cTn id="22" fill="hold">
+                            <p:stCondLst>
+                              <p:cond delay="0"/>
+                            </p:stCondLst>
+                            <p:childTnLst>
+                              <p:par>
+                                <p:cTn id="23" presetID="2" presetClass="entr" presetSubtype="4" fill="hold" grpId="0" nodeType="clickEffect">
+                                  <p:stCondLst>
+                                    <p:cond delay="0"/>
+                                  </p:stCondLst>
+                                  <p:childTnLst>
+                                    <p:set>
+                                      <p:cBhvr>
+                                        <p:cTn id="24" dur="1" fill="hold">
+                                          <p:stCondLst>
+                                            <p:cond delay="0"/>
+                                          </p:stCondLst>
+                                        </p:cTn>
+                                        <p:tgtEl>
+                                          <p:spTgt spid="7">
+                                            <p:txEl>
+                                              <p:pRg st="3" end="3"/>
+                                            </p:txEl>
+                                          </p:spTgt>
+                                        </p:tgtEl>
+                                        <p:attrNameLst>
+                                          <p:attrName>style.visibility</p:attrName>
+                                        </p:attrNameLst>
+                                      </p:cBhvr>
+                                      <p:to>
+                                        <p:strVal val="visible"/>
+                                      </p:to>
+                                    </p:set>
+                                    <p:anim calcmode="lin" valueType="num">
+                                      <p:cBhvr additive="base">
+                                        <p:cTn id="25" dur="500" fill="hold"/>
+                                        <p:tgtEl>
+                                          <p:spTgt spid="7">
+                                            <p:txEl>
+                                              <p:pRg st="3" end="3"/>
+                                            </p:txEl>
+                                          </p:spTgt>
+                                        </p:tgtEl>
+                                        <p:attrNameLst>
+                                          <p:attrName>ppt_x</p:attrName>
+                                        </p:attrNameLst>
+                                      </p:cBhvr>
+                                      <p:tavLst>
+                                        <p:tav tm="0">
+                                          <p:val>
+                                            <p:strVal val="#ppt_x"/>
+                                          </p:val>
+                                        </p:tav>
+                                        <p:tav tm="100000">
+                                          <p:val>
+                                            <p:strVal val="#ppt_x"/>
+                                          </p:val>
+                                        </p:tav>
+                                      </p:tavLst>
+                                    </p:anim>
+                                    <p:anim calcmode="lin" valueType="num">
+                                      <p:cBhvr additive="base">
+                                        <p:cTn id="26" dur="500" fill="hold"/>
+                                        <p:tgtEl>
+                                          <p:spTgt spid="7">
+                                            <p:txEl>
+                                              <p:pRg st="3" end="3"/>
+                                            </p:txEl>
+                                          </p:spTgt>
+                                        </p:tgtEl>
+                                        <p:attrNameLst>
+                                          <p:attrName>ppt_y</p:attrName>
+                                        </p:attrNameLst>
+                                      </p:cBhvr>
+                                      <p:tavLst>
+                                        <p:tav tm="0">
+                                          <p:val>
+                                            <p:strVal val="1+#ppt_h/2"/>
+                                          </p:val>
+                                        </p:tav>
+                                        <p:tav tm="100000">
+                                          <p:val>
+                                            <p:strVal val="#ppt_y"/>
+                                          </p:val>
+                                        </p:tav>
+                                      </p:tavLst>
+                                    </p:anim>
+                                  </p:childTnLst>
+                                </p:cTn>
+                              </p:par>
+                            </p:childTnLst>
+                          </p:cTn>
+                        </p:par>
+                      </p:childTnLst>
+                    </p:cTn>
+                  </p:par>
+                  <p:par>
+                    <p:cTn id="27" fill="hold">
+                      <p:stCondLst>
+                        <p:cond delay="indefinite"/>
+                      </p:stCondLst>
+                      <p:childTnLst>
+                        <p:par>
+                          <p:cTn id="28" fill="hold">
+                            <p:stCondLst>
+                              <p:cond delay="0"/>
+                            </p:stCondLst>
+                            <p:childTnLst>
+                              <p:par>
+                                <p:cTn id="29" presetID="2" presetClass="entr" presetSubtype="4" fill="hold" grpId="0" nodeType="clickEffect">
+                                  <p:stCondLst>
+                                    <p:cond delay="0"/>
+                                  </p:stCondLst>
+                                  <p:childTnLst>
+                                    <p:set>
+                                      <p:cBhvr>
+                                        <p:cTn id="30" dur="1" fill="hold">
+                                          <p:stCondLst>
+                                            <p:cond delay="0"/>
+                                          </p:stCondLst>
+                                        </p:cTn>
+                                        <p:tgtEl>
+                                          <p:spTgt spid="7">
+                                            <p:txEl>
+                                              <p:pRg st="4" end="4"/>
+                                            </p:txEl>
+                                          </p:spTgt>
+                                        </p:tgtEl>
+                                        <p:attrNameLst>
+                                          <p:attrName>style.visibility</p:attrName>
+                                        </p:attrNameLst>
+                                      </p:cBhvr>
+                                      <p:to>
+                                        <p:strVal val="visible"/>
+                                      </p:to>
+                                    </p:set>
+                                    <p:anim calcmode="lin" valueType="num">
+                                      <p:cBhvr additive="base">
+                                        <p:cTn id="31" dur="500" fill="hold"/>
+                                        <p:tgtEl>
+                                          <p:spTgt spid="7">
+                                            <p:txEl>
+                                              <p:pRg st="4" end="4"/>
+                                            </p:txEl>
+                                          </p:spTgt>
+                                        </p:tgtEl>
+                                        <p:attrNameLst>
+                                          <p:attrName>ppt_x</p:attrName>
+                                        </p:attrNameLst>
+                                      </p:cBhvr>
+                                      <p:tavLst>
+                                        <p:tav tm="0">
+                                          <p:val>
+                                            <p:strVal val="#ppt_x"/>
+                                          </p:val>
+                                        </p:tav>
+                                        <p:tav tm="100000">
+                                          <p:val>
+                                            <p:strVal val="#ppt_x"/>
+                                          </p:val>
+                                        </p:tav>
+                                      </p:tavLst>
+                                    </p:anim>
+                                    <p:anim calcmode="lin" valueType="num">
+                                      <p:cBhvr additive="base">
+                                        <p:cTn id="32" dur="500" fill="hold"/>
+                                        <p:tgtEl>
+                                          <p:spTgt spid="7">
+                                            <p:txEl>
+                                              <p:pRg st="4" end="4"/>
+                                            </p:txEl>
+                                          </p:spTgt>
+                                        </p:tgtEl>
+                                        <p:attrNameLst>
+                                          <p:attrName>ppt_y</p:attrName>
+                                        </p:attrNameLst>
+                                      </p:cBhvr>
+                                      <p:tavLst>
+                                        <p:tav tm="0">
+                                          <p:val>
+                                            <p:strVal val="1+#ppt_h/2"/>
+                                          </p:val>
+                                        </p:tav>
+                                        <p:tav tm="100000">
+                                          <p:val>
+                                            <p:strVal val="#ppt_y"/>
+                                          </p:val>
+                                        </p:tav>
+                                      </p:tavLst>
+                                    </p:anim>
+                                  </p:childTnLst>
+                                </p:cTn>
+                              </p:par>
+                            </p:childTnLst>
+                          </p:cTn>
+                        </p:par>
+                      </p:childTnLst>
+                    </p:cTn>
+                  </p:par>
+                  <p:par>
+                    <p:cTn id="33" fill="hold">
+                      <p:stCondLst>
+                        <p:cond delay="indefinite"/>
+                      </p:stCondLst>
+                      <p:childTnLst>
+                        <p:par>
+                          <p:cTn id="34" fill="hold">
+                            <p:stCondLst>
+                              <p:cond delay="0"/>
+                            </p:stCondLst>
+                            <p:childTnLst>
+                              <p:par>
+                                <p:cTn id="35" presetID="2" presetClass="entr" presetSubtype="4" fill="hold" grpId="0" nodeType="clickEffect">
+                                  <p:stCondLst>
+                                    <p:cond delay="0"/>
+                                  </p:stCondLst>
+                                  <p:childTnLst>
+                                    <p:set>
+                                      <p:cBhvr>
+                                        <p:cTn id="36" dur="1" fill="hold">
+                                          <p:stCondLst>
+                                            <p:cond delay="0"/>
+                                          </p:stCondLst>
+                                        </p:cTn>
+                                        <p:tgtEl>
+                                          <p:spTgt spid="7">
+                                            <p:txEl>
+                                              <p:pRg st="5" end="5"/>
+                                            </p:txEl>
+                                          </p:spTgt>
+                                        </p:tgtEl>
+                                        <p:attrNameLst>
+                                          <p:attrName>style.visibility</p:attrName>
+                                        </p:attrNameLst>
+                                      </p:cBhvr>
+                                      <p:to>
+                                        <p:strVal val="visible"/>
+                                      </p:to>
+                                    </p:set>
+                                    <p:anim calcmode="lin" valueType="num">
+                                      <p:cBhvr additive="base">
+                                        <p:cTn id="37" dur="500" fill="hold"/>
+                                        <p:tgtEl>
+                                          <p:spTgt spid="7">
+                                            <p:txEl>
+                                              <p:pRg st="5" end="5"/>
+                                            </p:txEl>
+                                          </p:spTgt>
+                                        </p:tgtEl>
+                                        <p:attrNameLst>
+                                          <p:attrName>ppt_x</p:attrName>
+                                        </p:attrNameLst>
+                                      </p:cBhvr>
+                                      <p:tavLst>
+                                        <p:tav tm="0">
+                                          <p:val>
+                                            <p:strVal val="#ppt_x"/>
+                                          </p:val>
+                                        </p:tav>
+                                        <p:tav tm="100000">
+                                          <p:val>
+                                            <p:strVal val="#ppt_x"/>
+                                          </p:val>
+                                        </p:tav>
+                                      </p:tavLst>
+                                    </p:anim>
+                                    <p:anim calcmode="lin" valueType="num">
+                                      <p:cBhvr additive="base">
+                                        <p:cTn id="38" dur="500" fill="hold"/>
+                                        <p:tgtEl>
+                                          <p:spTgt spid="7">
+                                            <p:txEl>
+                                              <p:pRg st="5" end="5"/>
+                                            </p:txEl>
+                                          </p:spTgt>
+                                        </p:tgtEl>
+                                        <p:attrNameLst>
+                                          <p:attrName>ppt_y</p:attrName>
+                                        </p:attrNameLst>
+                                      </p:cBhvr>
+                                      <p:tavLst>
+                                        <p:tav tm="0">
+                                          <p:val>
+                                            <p:strVal val="1+#ppt_h/2"/>
+                                          </p:val>
+                                        </p:tav>
+                                        <p:tav tm="100000">
+                                          <p:val>
+                                            <p:strVal val="#ppt_y"/>
+                                          </p:val>
+                                        </p:tav>
+                                      </p:tavLst>
+                                    </p:anim>
                                   </p:childTnLst>
                                 </p:cTn>
                               </p:par>
@@ -4475,7 +5050,7 @@
       </p:par>
     </p:tnLst>
     <p:bldLst>
-      <p:bldP spid="7" grpId="0"/>
+      <p:bldP spid="7" grpId="0" build="p"/>
     </p:bldLst>
   </p:timing>
 </p:sld>
@@ -13347,6 +13922,78 @@
             <a:endParaRPr lang="en-GB" sz="3200" b="1" dirty="0">
               <a:solidFill>
                 <a:srgbClr val="002060"/>
+              </a:solidFill>
+              <a:latin typeface="Lato" panose="020F0502020204030203" pitchFamily="34" charset="0"/>
+              <a:ea typeface="Lato" panose="020F0502020204030203" pitchFamily="34" charset="0"/>
+              <a:cs typeface="Lato" panose="020F0502020204030203" pitchFamily="34" charset="0"/>
+            </a:endParaRPr>
+          </a:p>
+        </p:txBody>
+      </p:sp>
+      <p:sp>
+        <p:nvSpPr>
+          <p:cNvPr id="2" name="TextBox 1">
+            <a:extLst>
+              <a:ext uri="{FF2B5EF4-FFF2-40B4-BE49-F238E27FC236}">
+                <a16:creationId xmlns:a16="http://schemas.microsoft.com/office/drawing/2014/main" id="{9FC6060A-D6E3-4BB5-AA20-4D044775E2B6}"/>
+              </a:ext>
+            </a:extLst>
+          </p:cNvPr>
+          <p:cNvSpPr txBox="1"/>
+          <p:nvPr/>
+        </p:nvSpPr>
+        <p:spPr>
+          <a:xfrm>
+            <a:off x="2212417" y="1565150"/>
+            <a:ext cx="3401893" cy="369332"/>
+          </a:xfrm>
+          <a:prstGeom prst="rect">
+            <a:avLst/>
+          </a:prstGeom>
+          <a:noFill/>
+        </p:spPr>
+        <p:txBody>
+          <a:bodyPr wrap="none" rtlCol="0">
+            <a:spAutoFit/>
+          </a:bodyPr>
+          <a:lstStyle/>
+          <a:p>
+            <a:r>
+              <a:rPr lang="pl-PL" b="1" dirty="0">
+                <a:solidFill>
+                  <a:srgbClr val="0070C0"/>
+                </a:solidFill>
+                <a:latin typeface="Lato" panose="020F0502020204030203" pitchFamily="34" charset="0"/>
+                <a:ea typeface="Lato" panose="020F0502020204030203" pitchFamily="34" charset="0"/>
+                <a:cs typeface="Lato" panose="020F0502020204030203" pitchFamily="34" charset="0"/>
+              </a:rPr>
+              <a:t>DATA </a:t>
+            </a:r>
+            <a:r>
+              <a:rPr lang="en-GB" b="1" dirty="0">
+                <a:solidFill>
+                  <a:srgbClr val="0070C0"/>
+                </a:solidFill>
+                <a:latin typeface="Lato" panose="020F0502020204030203" pitchFamily="34" charset="0"/>
+                <a:ea typeface="Lato" panose="020F0502020204030203" pitchFamily="34" charset="0"/>
+                <a:cs typeface="Lato" panose="020F0502020204030203" pitchFamily="34" charset="0"/>
+              </a:rPr>
+              <a:t>recorded</a:t>
+            </a:r>
+            <a:r>
+              <a:rPr lang="pl-PL" b="1" dirty="0">
+                <a:solidFill>
+                  <a:srgbClr val="0070C0"/>
+                </a:solidFill>
+                <a:latin typeface="Lato" panose="020F0502020204030203" pitchFamily="34" charset="0"/>
+                <a:ea typeface="Lato" panose="020F0502020204030203" pitchFamily="34" charset="0"/>
+                <a:cs typeface="Lato" panose="020F0502020204030203" pitchFamily="34" charset="0"/>
+              </a:rPr>
+              <a:t> on 10.02.2022:</a:t>
+            </a:r>
+            <a:endParaRPr lang="en-GB" b="1" dirty="0">
+              <a:solidFill>
+                <a:srgbClr val="0070C0"/>
               </a:solidFill>
               <a:latin typeface="Lato" panose="020F0502020204030203" pitchFamily="34" charset="0"/>
               <a:ea typeface="Lato" panose="020F0502020204030203" pitchFamily="34" charset="0"/>

--- a/Air Quality.pptx
+++ b/Air Quality.pptx
@@ -207,7 +207,7 @@
           <a:p>
             <a:fld id="{ECA86D0F-01AF-4280-8DFA-4DEF47A1C33A}" type="datetimeFigureOut">
               <a:rPr lang="en-GB" smtClean="0"/>
-              <a:t>10/02/2022</a:t>
+              <a:t>11/02/2022</a:t>
             </a:fld>
             <a:endParaRPr lang="en-GB"/>
           </a:p>
@@ -708,7 +708,7 @@
           <a:p>
             <a:fld id="{7DD4CAC0-1D91-413F-98B4-97BFFFF6D08E}" type="datetimeFigureOut">
               <a:rPr lang="en-GB" smtClean="0"/>
-              <a:t>10/02/2022</a:t>
+              <a:t>11/02/2022</a:t>
             </a:fld>
             <a:endParaRPr lang="en-GB"/>
           </a:p>
@@ -908,7 +908,7 @@
           <a:p>
             <a:fld id="{7DD4CAC0-1D91-413F-98B4-97BFFFF6D08E}" type="datetimeFigureOut">
               <a:rPr lang="en-GB" smtClean="0"/>
-              <a:t>10/02/2022</a:t>
+              <a:t>11/02/2022</a:t>
             </a:fld>
             <a:endParaRPr lang="en-GB"/>
           </a:p>
@@ -1118,7 +1118,7 @@
           <a:p>
             <a:fld id="{7DD4CAC0-1D91-413F-98B4-97BFFFF6D08E}" type="datetimeFigureOut">
               <a:rPr lang="en-GB" smtClean="0"/>
-              <a:t>10/02/2022</a:t>
+              <a:t>11/02/2022</a:t>
             </a:fld>
             <a:endParaRPr lang="en-GB"/>
           </a:p>
@@ -1318,7 +1318,7 @@
           <a:p>
             <a:fld id="{7DD4CAC0-1D91-413F-98B4-97BFFFF6D08E}" type="datetimeFigureOut">
               <a:rPr lang="en-GB" smtClean="0"/>
-              <a:t>10/02/2022</a:t>
+              <a:t>11/02/2022</a:t>
             </a:fld>
             <a:endParaRPr lang="en-GB"/>
           </a:p>
@@ -1594,7 +1594,7 @@
           <a:p>
             <a:fld id="{7DD4CAC0-1D91-413F-98B4-97BFFFF6D08E}" type="datetimeFigureOut">
               <a:rPr lang="en-GB" smtClean="0"/>
-              <a:t>10/02/2022</a:t>
+              <a:t>11/02/2022</a:t>
             </a:fld>
             <a:endParaRPr lang="en-GB"/>
           </a:p>
@@ -1862,7 +1862,7 @@
           <a:p>
             <a:fld id="{7DD4CAC0-1D91-413F-98B4-97BFFFF6D08E}" type="datetimeFigureOut">
               <a:rPr lang="en-GB" smtClean="0"/>
-              <a:t>10/02/2022</a:t>
+              <a:t>11/02/2022</a:t>
             </a:fld>
             <a:endParaRPr lang="en-GB"/>
           </a:p>
@@ -2277,7 +2277,7 @@
           <a:p>
             <a:fld id="{7DD4CAC0-1D91-413F-98B4-97BFFFF6D08E}" type="datetimeFigureOut">
               <a:rPr lang="en-GB" smtClean="0"/>
-              <a:t>10/02/2022</a:t>
+              <a:t>11/02/2022</a:t>
             </a:fld>
             <a:endParaRPr lang="en-GB"/>
           </a:p>
@@ -2419,7 +2419,7 @@
           <a:p>
             <a:fld id="{7DD4CAC0-1D91-413F-98B4-97BFFFF6D08E}" type="datetimeFigureOut">
               <a:rPr lang="en-GB" smtClean="0"/>
-              <a:t>10/02/2022</a:t>
+              <a:t>11/02/2022</a:t>
             </a:fld>
             <a:endParaRPr lang="en-GB"/>
           </a:p>
@@ -2532,7 +2532,7 @@
           <a:p>
             <a:fld id="{7DD4CAC0-1D91-413F-98B4-97BFFFF6D08E}" type="datetimeFigureOut">
               <a:rPr lang="en-GB" smtClean="0"/>
-              <a:t>10/02/2022</a:t>
+              <a:t>11/02/2022</a:t>
             </a:fld>
             <a:endParaRPr lang="en-GB"/>
           </a:p>
@@ -2845,7 +2845,7 @@
           <a:p>
             <a:fld id="{7DD4CAC0-1D91-413F-98B4-97BFFFF6D08E}" type="datetimeFigureOut">
               <a:rPr lang="en-GB" smtClean="0"/>
-              <a:t>10/02/2022</a:t>
+              <a:t>11/02/2022</a:t>
             </a:fld>
             <a:endParaRPr lang="en-GB"/>
           </a:p>
@@ -3134,7 +3134,7 @@
           <a:p>
             <a:fld id="{7DD4CAC0-1D91-413F-98B4-97BFFFF6D08E}" type="datetimeFigureOut">
               <a:rPr lang="en-GB" smtClean="0"/>
-              <a:t>10/02/2022</a:t>
+              <a:t>11/02/2022</a:t>
             </a:fld>
             <a:endParaRPr lang="en-GB"/>
           </a:p>
@@ -3384,7 +3384,7 @@
           <a:p>
             <a:fld id="{7DD4CAC0-1D91-413F-98B4-97BFFFF6D08E}" type="datetimeFigureOut">
               <a:rPr lang="en-GB" smtClean="0"/>
-              <a:t>10/02/2022</a:t>
+              <a:t>11/02/2022</a:t>
             </a:fld>
             <a:endParaRPr lang="en-GB"/>
           </a:p>
@@ -5896,7 +5896,7 @@
                   <a:srgbClr val="003399"/>
                 </a:solidFill>
               </a:rPr>
-              <a:t> / PIPLINE</a:t>
+              <a:t> / PIPELINE</a:t>
             </a:r>
           </a:p>
           <a:p>
@@ -6059,7 +6059,7 @@
             <a:pPr algn="ctr"/>
             <a:r>
               <a:rPr lang="en-GB" dirty="0"/>
-              <a:t>Main Findings </a:t>
+              <a:t>Practical use | Main Findings</a:t>
             </a:r>
           </a:p>
         </p:txBody>
@@ -6224,7 +6224,7 @@
                   <a:srgbClr val="003399"/>
                 </a:solidFill>
               </a:rPr>
-              <a:t> / PIPLINE</a:t>
+              <a:t> / PIPELINE</a:t>
             </a:r>
           </a:p>
           <a:p>
@@ -7927,7 +7927,7 @@
                   <a:srgbClr val="003399"/>
                 </a:solidFill>
               </a:rPr>
-              <a:t> / PIPLINE</a:t>
+              <a:t> / PIPELINE</a:t>
             </a:r>
           </a:p>
           <a:p>
@@ -8226,7 +8226,7 @@
         <p:spPr>
           <a:xfrm>
             <a:off x="7003250" y="5917444"/>
-            <a:ext cx="2464137" cy="584775"/>
+            <a:ext cx="2464136" cy="830997"/>
           </a:xfrm>
           <a:prstGeom prst="rect">
             <a:avLst/>
@@ -8279,6 +8279,38 @@
                 <a:cs typeface="Lato" panose="020F0502020204030203" pitchFamily="34" charset="0"/>
               </a:rPr>
               <a:t>Forest</a:t>
+            </a:r>
+            <a:endParaRPr lang="pl-PL" sz="1600" b="1" dirty="0">
+              <a:latin typeface="Lato" panose="020F0502020204030203" pitchFamily="34" charset="0"/>
+              <a:ea typeface="Lato" panose="020F0502020204030203" pitchFamily="34" charset="0"/>
+              <a:cs typeface="Lato" panose="020F0502020204030203" pitchFamily="34" charset="0"/>
+            </a:endParaRPr>
+          </a:p>
+          <a:p>
+            <a:pPr algn="ctr"/>
+            <a:r>
+              <a:rPr lang="en-GB" sz="1600" b="1" dirty="0">
+                <a:latin typeface="Lato" panose="020F0502020204030203" pitchFamily="34" charset="0"/>
+                <a:ea typeface="Lato" panose="020F0502020204030203" pitchFamily="34" charset="0"/>
+                <a:cs typeface="Lato" panose="020F0502020204030203" pitchFamily="34" charset="0"/>
+              </a:rPr>
+              <a:t>Stacking</a:t>
+            </a:r>
+            <a:r>
+              <a:rPr lang="pl-PL" sz="1600" b="1" dirty="0">
+                <a:latin typeface="Lato" panose="020F0502020204030203" pitchFamily="34" charset="0"/>
+                <a:ea typeface="Lato" panose="020F0502020204030203" pitchFamily="34" charset="0"/>
+                <a:cs typeface="Lato" panose="020F0502020204030203" pitchFamily="34" charset="0"/>
+              </a:rPr>
+              <a:t> </a:t>
+            </a:r>
+            <a:r>
+              <a:rPr lang="en-GB" sz="1600" b="1" dirty="0">
+                <a:latin typeface="Lato" panose="020F0502020204030203" pitchFamily="34" charset="0"/>
+                <a:ea typeface="Lato" panose="020F0502020204030203" pitchFamily="34" charset="0"/>
+                <a:cs typeface="Lato" panose="020F0502020204030203" pitchFamily="34" charset="0"/>
+              </a:rPr>
+              <a:t>Estimator</a:t>
             </a:r>
           </a:p>
           <a:p>
@@ -9709,51 +9741,6 @@
           </a:extLst>
         </p:spPr>
       </p:pic>
-      <p:pic>
-        <p:nvPicPr>
-          <p:cNvPr id="3086" name="Picture 14" descr="Inhalable Particulate Matter and Health (PM2.5 and PM10) | California Air  Resources Board">
-            <a:extLst>
-              <a:ext uri="{FF2B5EF4-FFF2-40B4-BE49-F238E27FC236}">
-                <a16:creationId xmlns:a16="http://schemas.microsoft.com/office/drawing/2014/main" id="{68492E54-DBA7-44E1-91C6-C2EF1FEBE387}"/>
-              </a:ext>
-            </a:extLst>
-          </p:cNvPr>
-          <p:cNvPicPr>
-            <a:picLocks noChangeAspect="1" noChangeArrowheads="1"/>
-          </p:cNvPicPr>
-          <p:nvPr/>
-        </p:nvPicPr>
-        <p:blipFill rotWithShape="1">
-          <a:blip r:embed="rId5">
-            <a:extLst>
-              <a:ext uri="{28A0092B-C50C-407E-A947-70E740481C1C}">
-                <a14:useLocalDpi xmlns:a14="http://schemas.microsoft.com/office/drawing/2010/main" val="0"/>
-              </a:ext>
-            </a:extLst>
-          </a:blip>
-          <a:srcRect t="16922" b="12105"/>
-          <a:stretch/>
-        </p:blipFill>
-        <p:spPr bwMode="auto">
-          <a:xfrm>
-            <a:off x="763291" y="3693060"/>
-            <a:ext cx="3659536" cy="1947960"/>
-          </a:xfrm>
-          <a:prstGeom prst="rect">
-            <a:avLst/>
-          </a:prstGeom>
-          <a:noFill/>
-          <a:extLst>
-            <a:ext uri="{909E8E84-426E-40DD-AFC4-6F175D3DCCD1}">
-              <a14:hiddenFill xmlns:a14="http://schemas.microsoft.com/office/drawing/2010/main">
-                <a:solidFill>
-                  <a:srgbClr val="FFFFFF"/>
-                </a:solidFill>
-              </a14:hiddenFill>
-            </a:ext>
-          </a:extLst>
-        </p:spPr>
-      </p:pic>
       <p:sp>
         <p:nvSpPr>
           <p:cNvPr id="11" name="TextBox 10">
@@ -10014,6 +10001,42 @@
           </a:p>
         </p:txBody>
       </p:sp>
+      <p:pic>
+        <p:nvPicPr>
+          <p:cNvPr id="3" name="Picture 2" descr="Diagram&#10;&#10;Description automatically generated">
+            <a:extLst>
+              <a:ext uri="{FF2B5EF4-FFF2-40B4-BE49-F238E27FC236}">
+                <a16:creationId xmlns:a16="http://schemas.microsoft.com/office/drawing/2014/main" id="{49CFE930-CD70-4CEA-8CA7-9A0943FC0232}"/>
+              </a:ext>
+            </a:extLst>
+          </p:cNvPr>
+          <p:cNvPicPr>
+            <a:picLocks noChangeAspect="1"/>
+          </p:cNvPicPr>
+          <p:nvPr/>
+        </p:nvPicPr>
+        <p:blipFill>
+          <a:blip r:embed="rId5">
+            <a:extLst>
+              <a:ext uri="{28A0092B-C50C-407E-A947-70E740481C1C}">
+                <a14:useLocalDpi xmlns:a14="http://schemas.microsoft.com/office/drawing/2010/main" val="0"/>
+              </a:ext>
+            </a:extLst>
+          </a:blip>
+          <a:stretch>
+            <a:fillRect/>
+          </a:stretch>
+        </p:blipFill>
+        <p:spPr>
+          <a:xfrm>
+            <a:off x="675027" y="3695266"/>
+            <a:ext cx="3658433" cy="1943543"/>
+          </a:xfrm>
+          <a:prstGeom prst="rect">
+            <a:avLst/>
+          </a:prstGeom>
+        </p:spPr>
+      </p:pic>
     </p:spTree>
     <p:extLst>
       <p:ext uri="{BB962C8B-B14F-4D97-AF65-F5344CB8AC3E}">
@@ -10499,7 +10522,7 @@
           <p:nvPr>
             <p:extLst>
               <p:ext uri="{D42A27DB-BD31-4B8C-83A1-F6EECF244321}">
-                <p14:modId xmlns:p14="http://schemas.microsoft.com/office/powerpoint/2010/main" val="3605329080"/>
+                <p14:modId xmlns:p14="http://schemas.microsoft.com/office/powerpoint/2010/main" val="4257059926"/>
               </p:ext>
             </p:extLst>
           </p:nvPr>
@@ -10649,34 +10672,13 @@
                     <a:p>
                       <a:pPr algn="ctr"/>
                       <a:r>
-                        <a:rPr lang="pl-PL" dirty="0" err="1">
+                        <a:rPr lang="en-GB" noProof="0" dirty="0">
                           <a:latin typeface="Lato" panose="020F0502020204030203" pitchFamily="34" charset="0"/>
                           <a:ea typeface="Lato" panose="020F0502020204030203" pitchFamily="34" charset="0"/>
                           <a:cs typeface="Lato" panose="020F0502020204030203" pitchFamily="34" charset="0"/>
                         </a:rPr>
-                        <a:t>Air</a:t>
+                        <a:t>Air Quality</a:t>
                       </a:r>
-                      <a:r>
-                        <a:rPr lang="pl-PL" dirty="0">
-                          <a:latin typeface="Lato" panose="020F0502020204030203" pitchFamily="34" charset="0"/>
-                          <a:ea typeface="Lato" panose="020F0502020204030203" pitchFamily="34" charset="0"/>
-                          <a:cs typeface="Lato" panose="020F0502020204030203" pitchFamily="34" charset="0"/>
-                        </a:rPr>
-                        <a:t> </a:t>
-                      </a:r>
-                      <a:r>
-                        <a:rPr lang="pl-PL" dirty="0" err="1">
-                          <a:latin typeface="Lato" panose="020F0502020204030203" pitchFamily="34" charset="0"/>
-                          <a:ea typeface="Lato" panose="020F0502020204030203" pitchFamily="34" charset="0"/>
-                          <a:cs typeface="Lato" panose="020F0502020204030203" pitchFamily="34" charset="0"/>
-                        </a:rPr>
-                        <a:t>Quality</a:t>
-                      </a:r>
-                      <a:endParaRPr lang="en-GB" dirty="0">
-                        <a:latin typeface="Lato" panose="020F0502020204030203" pitchFamily="34" charset="0"/>
-                        <a:ea typeface="Lato" panose="020F0502020204030203" pitchFamily="34" charset="0"/>
-                        <a:cs typeface="Lato" panose="020F0502020204030203" pitchFamily="34" charset="0"/>
-                      </a:endParaRPr>
                     </a:p>
                   </a:txBody>
                   <a:tcPr>
@@ -10762,7 +10764,7 @@
                     <a:p>
                       <a:pPr algn="ctr"/>
                       <a:r>
-                        <a:rPr lang="pl-PL" dirty="0" err="1">
+                        <a:rPr lang="en-GB" noProof="0" dirty="0">
                           <a:latin typeface="Lato" panose="020F0502020204030203" pitchFamily="34" charset="0"/>
                           <a:ea typeface="Lato" panose="020F0502020204030203" pitchFamily="34" charset="0"/>
                           <a:cs typeface="Lato" panose="020F0502020204030203" pitchFamily="34" charset="0"/>
@@ -11014,7 +11016,7 @@
                     <a:p>
                       <a:pPr algn="ctr"/>
                       <a:r>
-                        <a:rPr lang="pl-PL" dirty="0" err="1">
+                        <a:rPr lang="en-GB" noProof="0" dirty="0">
                           <a:latin typeface="Lato" panose="020F0502020204030203" pitchFamily="34" charset="0"/>
                           <a:ea typeface="Lato" panose="020F0502020204030203" pitchFamily="34" charset="0"/>
                           <a:cs typeface="Lato" panose="020F0502020204030203" pitchFamily="34" charset="0"/>

--- a/Air Quality.pptx
+++ b/Air Quality.pptx
@@ -10522,14 +10522,14 @@
           <p:nvPr>
             <p:extLst>
               <p:ext uri="{D42A27DB-BD31-4B8C-83A1-F6EECF244321}">
-                <p14:modId xmlns:p14="http://schemas.microsoft.com/office/powerpoint/2010/main" val="4257059926"/>
+                <p14:modId xmlns:p14="http://schemas.microsoft.com/office/powerpoint/2010/main" val="1388937864"/>
               </p:ext>
             </p:extLst>
           </p:nvPr>
         </p:nvGraphicFramePr>
         <p:xfrm>
           <a:off x="520508" y="2484714"/>
-          <a:ext cx="7130440" cy="1752600"/>
+          <a:ext cx="7130440" cy="1483360"/>
         </p:xfrm>
         <a:graphic>
           <a:graphicData uri="http://schemas.openxmlformats.org/drawingml/2006/table">
@@ -10593,18 +10593,6 @@
                         <a:t>PM2.5  </a:t>
                       </a:r>
                       <a:r>
-                        <a:rPr lang="en-GB" b="1" dirty="0">
-                          <a:solidFill>
-                            <a:schemeClr val="bg1"/>
-                          </a:solidFill>
-                          <a:effectLst/>
-                          <a:latin typeface="Lato" panose="020F0502020204030203" pitchFamily="34" charset="0"/>
-                          <a:ea typeface="Lato" panose="020F0502020204030203" pitchFamily="34" charset="0"/>
-                          <a:cs typeface="Lato" panose="020F0502020204030203" pitchFamily="34" charset="0"/>
-                        </a:rPr>
-                        <a:t>µg/m³</a:t>
-                      </a:r>
-                      <a:r>
                         <a:rPr lang="pl-PL" b="1" dirty="0">
                           <a:solidFill>
                             <a:schemeClr val="bg1"/>
@@ -10614,7 +10602,7 @@
                           <a:ea typeface="Lato" panose="020F0502020204030203" pitchFamily="34" charset="0"/>
                           <a:cs typeface="Lato" panose="020F0502020204030203" pitchFamily="34" charset="0"/>
                         </a:rPr>
-                        <a:t> </a:t>
+                        <a:t>AQI </a:t>
                       </a:r>
                       <a:endParaRPr lang="en-GB" b="1" dirty="0">
                         <a:solidFill>
